--- a/Project_Report/Crop Production Analysis.pptx
+++ b/Project_Report/Crop Production Analysis.pptx
@@ -9622,10 +9622,10 @@
               <a:buNone/>
             </a:pPr>
             <a:r>
-              <a:rPr lang="en-GB"/>
+              <a:rPr lang="en-GB" dirty="0"/>
               <a:t>The Agriculture business domain, as a vital part of the overall supply chain, is expected</a:t>
             </a:r>
-            <a:endParaRPr/>
+            <a:endParaRPr dirty="0"/>
           </a:p>
           <a:p>
             <a:pPr marL="0" lvl="0" indent="0" algn="l" rtl="0">
@@ -9638,10 +9638,10 @@
               <a:buNone/>
             </a:pPr>
             <a:r>
-              <a:rPr lang="en-GB"/>
+              <a:rPr lang="en-GB" dirty="0"/>
               <a:t>to highly evolve in the upcoming years via the developments, which are taking place on</a:t>
             </a:r>
-            <a:endParaRPr/>
+            <a:endParaRPr dirty="0"/>
           </a:p>
           <a:p>
             <a:pPr marL="0" lvl="0" indent="0" algn="l" rtl="0">
@@ -9654,10 +9654,10 @@
               <a:buNone/>
             </a:pPr>
             <a:r>
-              <a:rPr lang="en-GB"/>
+              <a:rPr lang="en-GB" dirty="0"/>
               <a:t>the side of the Future Internet. This paper presents a novel Business-to-Business</a:t>
             </a:r>
-            <a:endParaRPr/>
+            <a:endParaRPr dirty="0"/>
           </a:p>
           <a:p>
             <a:pPr marL="0" lvl="0" indent="0" algn="l" rtl="0">
@@ -9670,10 +9670,10 @@
               <a:buNone/>
             </a:pPr>
             <a:r>
-              <a:rPr lang="en-GB"/>
+              <a:rPr lang="en-GB" dirty="0"/>
               <a:t>collaboration platform from the agri-food sector perspective, which aims to facilitate the</a:t>
             </a:r>
-            <a:endParaRPr/>
+            <a:endParaRPr dirty="0"/>
           </a:p>
           <a:p>
             <a:pPr marL="0" lvl="0" indent="0" algn="l" rtl="0">
@@ -9686,10 +9686,10 @@
               <a:buNone/>
             </a:pPr>
             <a:r>
-              <a:rPr lang="en-GB"/>
+              <a:rPr lang="en-GB" dirty="0"/>
               <a:t>collaboration of numerous stakeholders belonging to associated business domains, in an</a:t>
             </a:r>
-            <a:endParaRPr/>
+            <a:endParaRPr dirty="0"/>
           </a:p>
           <a:p>
             <a:pPr marL="0" lvl="0" indent="0" algn="l" rtl="0">
@@ -9702,10 +9702,10 @@
               <a:buNone/>
             </a:pPr>
             <a:r>
-              <a:rPr lang="en-GB"/>
+              <a:rPr lang="en-GB" dirty="0"/>
               <a:t>effective and flexible manner.</a:t>
             </a:r>
-            <a:endParaRPr/>
+            <a:endParaRPr dirty="0"/>
           </a:p>
           <a:p>
             <a:pPr marL="0" lvl="0" indent="0" algn="l" rtl="0">
@@ -9717,7 +9717,7 @@
               </a:spcAft>
               <a:buNone/>
             </a:pPr>
-            <a:endParaRPr/>
+            <a:endParaRPr dirty="0"/>
           </a:p>
         </p:txBody>
       </p:sp>
@@ -10002,10 +10002,10 @@
               <a:buChar char="●"/>
             </a:pPr>
             <a:r>
-              <a:rPr lang="en-GB"/>
+              <a:rPr lang="en-GB" dirty="0"/>
               <a:t>Analysing crop production and giving insights about trends was not possible with the given data.</a:t>
             </a:r>
-            <a:endParaRPr/>
+            <a:endParaRPr dirty="0"/>
           </a:p>
           <a:p>
             <a:pPr marL="457200" lvl="0" indent="-311150" algn="l" rtl="0">
@@ -10019,10 +10019,10 @@
               <a:buChar char="●"/>
             </a:pPr>
             <a:r>
-              <a:rPr lang="en-GB"/>
+              <a:rPr lang="en-GB" dirty="0"/>
               <a:t>Various columns were added for better analysis.</a:t>
             </a:r>
-            <a:endParaRPr/>
+            <a:endParaRPr dirty="0"/>
           </a:p>
           <a:p>
             <a:pPr marL="457200" lvl="0" indent="-311150" algn="l" rtl="0">
@@ -10036,10 +10036,10 @@
               <a:buChar char="●"/>
             </a:pPr>
             <a:r>
-              <a:rPr lang="en-GB"/>
+              <a:rPr lang="en-GB" dirty="0"/>
               <a:t>“Productivity” was added with the formula “Production”/”Area”</a:t>
             </a:r>
-            <a:endParaRPr/>
+            <a:endParaRPr dirty="0"/>
           </a:p>
           <a:p>
             <a:pPr marL="457200" lvl="0" indent="-311150" algn="l" rtl="0">
@@ -10053,10 +10053,10 @@
               <a:buChar char="●"/>
             </a:pPr>
             <a:r>
-              <a:rPr lang="en-GB"/>
+              <a:rPr lang="en-GB" dirty="0"/>
               <a:t>“Category” column was added dividing the crops into their respective categories. </a:t>
             </a:r>
-            <a:endParaRPr/>
+            <a:endParaRPr dirty="0"/>
           </a:p>
           <a:p>
             <a:pPr marL="457200" lvl="0" indent="-311150" algn="l" rtl="0">
@@ -10070,10 +10070,10 @@
               <a:buChar char="●"/>
             </a:pPr>
             <a:r>
-              <a:rPr lang="en-GB"/>
+              <a:rPr lang="en-GB" dirty="0"/>
               <a:t>“Region” column was added to further divide states according to their geography.</a:t>
             </a:r>
-            <a:endParaRPr/>
+            <a:endParaRPr dirty="0"/>
           </a:p>
           <a:p>
             <a:pPr marL="0" lvl="0" indent="0" algn="l" rtl="0">
@@ -10085,7 +10085,7 @@
               </a:spcAft>
               <a:buNone/>
             </a:pPr>
-            <a:endParaRPr/>
+            <a:endParaRPr dirty="0"/>
           </a:p>
         </p:txBody>
       </p:sp>
@@ -10573,7 +10573,7 @@
             </a:pPr>
             <a:r>
               <a:rPr lang="en-IN" dirty="0"/>
-              <a:t>The maximum growth in production 2007 to 2008</a:t>
+              <a:t>The maximum growth in production from 2007 to 2008</a:t>
             </a:r>
           </a:p>
           <a:p>
@@ -10588,24 +10588,7 @@
             </a:pPr>
             <a:r>
               <a:rPr lang="en-IN" dirty="0"/>
-              <a:t>And all other insights are in following : </a:t>
-            </a:r>
-            <a:br>
-              <a:rPr lang="en-IN" dirty="0"/>
-            </a:br>
-            <a:r>
-              <a:rPr lang="en-IN" dirty="0"/>
-              <a:t>- </a:t>
-            </a:r>
-            <a:r>
-              <a:rPr lang="en-IN" dirty="0">
-                <a:hlinkClick r:id="rId3" action="ppaction://hlinkfile"/>
-              </a:rPr>
-              <a:t>WIREFRAME</a:t>
-            </a:r>
-            <a:r>
-              <a:rPr lang="en-IN" dirty="0"/>
-              <a:t> </a:t>
+              <a:t>Analysis and insights are in the following : </a:t>
             </a:r>
             <a:br>
               <a:rPr lang="en-IN" dirty="0"/>
@@ -10620,7 +10603,13 @@
             </a:r>
             <a:r>
               <a:rPr lang="en-IN" dirty="0"/>
-              <a:t>: https://paruluniversityacin-my.sharepoint.com/:u:/g/personal/2303031240568_paruluniversity_ac_in/EUDb2IwFisNJkSrklSiokKABGzK_X-n4_fKJVA2P48hbuQ?e=DfguMX</a:t>
+              <a:t>: </a:t>
+            </a:r>
+            <a:r>
+              <a:rPr lang="en-IN" dirty="0">
+                <a:hlinkClick r:id="rId3" action="ppaction://hlinkfile"/>
+              </a:rPr>
+              <a:t>https://paruluniversityacin-my.sharepoint.com/:u:/g/personal/2303031240568_paruluniversity_ac_in/EUDb2IwFisNJkSrklSiokKABGzK_X-n4_fKJVA2P48hbuQ?e=DfguMX</a:t>
             </a:r>
             <a:endParaRPr dirty="0"/>
           </a:p>

--- a/Project_Report/Crop Production Analysis.pptx
+++ b/Project_Report/Crop Production Analysis.pptx
@@ -5,7 +5,7 @@
     <p:sldMasterId id="2147483659" r:id="rId1"/>
   </p:sldMasterIdLst>
   <p:notesMasterIdLst>
-    <p:notesMasterId r:id="rId8"/>
+    <p:notesMasterId r:id="rId9"/>
   </p:notesMasterIdLst>
   <p:sldIdLst>
     <p:sldId id="256" r:id="rId2"/>
@@ -13,24 +13,25 @@
     <p:sldId id="258" r:id="rId4"/>
     <p:sldId id="259" r:id="rId5"/>
     <p:sldId id="260" r:id="rId6"/>
-    <p:sldId id="261" r:id="rId7"/>
+    <p:sldId id="262" r:id="rId7"/>
+    <p:sldId id="261" r:id="rId8"/>
   </p:sldIdLst>
   <p:sldSz cx="9144000" cy="5143500" type="screen16x9"/>
   <p:notesSz cx="6858000" cy="9144000"/>
   <p:embeddedFontLst>
     <p:embeddedFont>
       <p:font typeface="Lato" panose="020F0502020204030203" pitchFamily="34" charset="0"/>
-      <p:regular r:id="rId9"/>
-      <p:bold r:id="rId10"/>
-      <p:italic r:id="rId11"/>
-      <p:boldItalic r:id="rId12"/>
+      <p:regular r:id="rId10"/>
+      <p:bold r:id="rId11"/>
+      <p:italic r:id="rId12"/>
+      <p:boldItalic r:id="rId13"/>
     </p:embeddedFont>
     <p:embeddedFont>
       <p:font typeface="Montserrat" panose="00000500000000000000" pitchFamily="2" charset="0"/>
-      <p:regular r:id="rId13"/>
-      <p:bold r:id="rId14"/>
-      <p:italic r:id="rId15"/>
-      <p:boldItalic r:id="rId16"/>
+      <p:regular r:id="rId14"/>
+      <p:bold r:id="rId15"/>
+      <p:italic r:id="rId16"/>
+      <p:boldItalic r:id="rId17"/>
     </p:embeddedFont>
   </p:embeddedFontLst>
   <p:defaultTextStyle>
@@ -751,8 +752,8 @@
         </p:nvSpPr>
         <p:spPr>
           <a:xfrm>
-            <a:off x="381300" y="685800"/>
-            <a:ext cx="6096075" cy="3429000"/>
+            <a:off x="381000" y="685800"/>
+            <a:ext cx="6096000" cy="3429000"/>
           </a:xfrm>
           <a:custGeom>
             <a:avLst/>
@@ -9480,43 +9481,31 @@
       </p:sp>
       <p:sp>
         <p:nvSpPr>
-          <p:cNvPr id="135" name="Google Shape;135;p13"/>
-          <p:cNvSpPr txBox="1">
+          <p:cNvPr id="3" name="Subtitle 2">
+            <a:extLst>
+              <a:ext uri="{FF2B5EF4-FFF2-40B4-BE49-F238E27FC236}">
+                <a16:creationId xmlns:a16="http://schemas.microsoft.com/office/drawing/2014/main" id="{F86E0D3E-E713-DF61-A1EA-A7F09DD9DDAC}"/>
+              </a:ext>
+            </a:extLst>
+          </p:cNvPr>
+          <p:cNvSpPr>
             <a:spLocks noGrp="1"/>
           </p:cNvSpPr>
           <p:nvPr>
             <p:ph type="subTitle" idx="1"/>
           </p:nvPr>
         </p:nvSpPr>
-        <p:spPr>
-          <a:xfrm>
-            <a:off x="5083950" y="3924925"/>
-            <a:ext cx="3470700" cy="506100"/>
-          </a:xfrm>
-          <a:prstGeom prst="rect">
-            <a:avLst/>
-          </a:prstGeom>
-        </p:spPr>
+        <p:spPr/>
         <p:txBody>
-          <a:bodyPr spcFirstLastPara="1" wrap="square" lIns="91425" tIns="91425" rIns="91425" bIns="91425" anchor="t" anchorCtr="0">
+          <a:bodyPr>
             <a:normAutofit/>
           </a:bodyPr>
           <a:lstStyle/>
           <a:p>
-            <a:pPr marL="0" lvl="0" indent="0" algn="l" rtl="0">
-              <a:spcBef>
-                <a:spcPts val="0"/>
-              </a:spcBef>
-              <a:spcAft>
-                <a:spcPts val="0"/>
-              </a:spcAft>
-              <a:buNone/>
-            </a:pPr>
             <a:r>
-              <a:rPr lang="en-GB"/>
-              <a:t>Business Intelligence </a:t>
+              <a:rPr lang="en-IN" dirty="0"/>
+              <a:t>Krish Chaudhary </a:t>
             </a:r>
-            <a:endParaRPr/>
           </a:p>
         </p:txBody>
       </p:sp>
@@ -10377,6 +10366,234 @@
 </file>
 
 <file path=ppt/slides/slide6.xml><?xml version="1.0" encoding="utf-8"?>
+<p:sld xmlns:a="http://schemas.openxmlformats.org/drawingml/2006/main" xmlns:r="http://schemas.openxmlformats.org/officeDocument/2006/relationships" xmlns:p="http://schemas.openxmlformats.org/presentationml/2006/main">
+  <p:cSld>
+    <p:spTree>
+      <p:nvGrpSpPr>
+        <p:cNvPr id="1" name=""/>
+        <p:cNvGrpSpPr/>
+        <p:nvPr/>
+      </p:nvGrpSpPr>
+      <p:grpSpPr>
+        <a:xfrm>
+          <a:off x="0" y="0"/>
+          <a:ext cx="0" cy="0"/>
+          <a:chOff x="0" y="0"/>
+          <a:chExt cx="0" cy="0"/>
+        </a:xfrm>
+      </p:grpSpPr>
+      <p:sp>
+        <p:nvSpPr>
+          <p:cNvPr id="2" name="Title 1">
+            <a:extLst>
+              <a:ext uri="{FF2B5EF4-FFF2-40B4-BE49-F238E27FC236}">
+                <a16:creationId xmlns:a16="http://schemas.microsoft.com/office/drawing/2014/main" id="{42E015DB-0150-0961-AC9D-C6636F0B70FD}"/>
+              </a:ext>
+            </a:extLst>
+          </p:cNvPr>
+          <p:cNvSpPr>
+            <a:spLocks noGrp="1"/>
+          </p:cNvSpPr>
+          <p:nvPr>
+            <p:ph type="title"/>
+          </p:nvPr>
+        </p:nvSpPr>
+        <p:spPr/>
+        <p:txBody>
+          <a:bodyPr/>
+          <a:lstStyle/>
+          <a:p>
+            <a:r>
+              <a:rPr lang="en-IN" dirty="0"/>
+              <a:t>Key Findings :</a:t>
+            </a:r>
+          </a:p>
+        </p:txBody>
+      </p:sp>
+      <p:sp>
+        <p:nvSpPr>
+          <p:cNvPr id="5" name="TextBox 4">
+            <a:extLst>
+              <a:ext uri="{FF2B5EF4-FFF2-40B4-BE49-F238E27FC236}">
+                <a16:creationId xmlns:a16="http://schemas.microsoft.com/office/drawing/2014/main" id="{F6894232-1CD3-A6F3-E7CF-4FBA855481AB}"/>
+              </a:ext>
+            </a:extLst>
+          </p:cNvPr>
+          <p:cNvSpPr txBox="1"/>
+          <p:nvPr/>
+        </p:nvSpPr>
+        <p:spPr>
+          <a:xfrm>
+            <a:off x="104078" y="1538308"/>
+            <a:ext cx="9144000" cy="3323987"/>
+          </a:xfrm>
+          <a:prstGeom prst="rect">
+            <a:avLst/>
+          </a:prstGeom>
+          <a:noFill/>
+        </p:spPr>
+        <p:txBody>
+          <a:bodyPr wrap="square" rtlCol="0">
+            <a:spAutoFit/>
+          </a:bodyPr>
+          <a:lstStyle/>
+          <a:p>
+            <a:r>
+              <a:rPr lang="en-US" dirty="0">
+                <a:solidFill>
+                  <a:schemeClr val="bg1"/>
+                </a:solidFill>
+              </a:rPr>
+              <a:t>Potential Profitable Crops 🌾: Traditional crops such as wheat, barley, paddy, </a:t>
+            </a:r>
+            <a:r>
+              <a:rPr lang="en-US" dirty="0" err="1">
+                <a:solidFill>
+                  <a:schemeClr val="bg1"/>
+                </a:solidFill>
+              </a:rPr>
+              <a:t>maise</a:t>
+            </a:r>
+            <a:r>
+              <a:rPr lang="en-US" dirty="0">
+                <a:solidFill>
+                  <a:schemeClr val="bg1"/>
+                </a:solidFill>
+              </a:rPr>
+              <a:t>, groundnut, soybean, turmeric, tobacco, bajra, and jowar were identified as highly profitable.</a:t>
+            </a:r>
+            <a:br>
+              <a:rPr lang="en-US" dirty="0">
+                <a:solidFill>
+                  <a:schemeClr val="bg1"/>
+                </a:solidFill>
+              </a:rPr>
+            </a:br>
+            <a:endParaRPr lang="en-US" dirty="0">
+              <a:solidFill>
+                <a:schemeClr val="bg1"/>
+              </a:solidFill>
+            </a:endParaRPr>
+          </a:p>
+          <a:p>
+            <a:r>
+              <a:rPr lang="en-US" dirty="0">
+                <a:solidFill>
+                  <a:schemeClr val="bg1"/>
+                </a:solidFill>
+              </a:rPr>
+              <a:t>Top 5 Producing States 📍: Uttar Pradesh, West Bengal, Maharashtra, Punjab, and Karnataka.</a:t>
+            </a:r>
+            <a:br>
+              <a:rPr lang="en-US" dirty="0">
+                <a:solidFill>
+                  <a:schemeClr val="bg1"/>
+                </a:solidFill>
+              </a:rPr>
+            </a:br>
+            <a:endParaRPr lang="en-US" dirty="0">
+              <a:solidFill>
+                <a:schemeClr val="bg1"/>
+              </a:solidFill>
+            </a:endParaRPr>
+          </a:p>
+          <a:p>
+            <a:r>
+              <a:rPr lang="en-US" dirty="0">
+                <a:solidFill>
+                  <a:schemeClr val="bg1"/>
+                </a:solidFill>
+              </a:rPr>
+              <a:t>Significant Growth 📈: Notable production growth was observed from 2007 to 2008.</a:t>
+            </a:r>
+            <a:br>
+              <a:rPr lang="en-US" dirty="0">
+                <a:solidFill>
+                  <a:schemeClr val="bg1"/>
+                </a:solidFill>
+              </a:rPr>
+            </a:br>
+            <a:endParaRPr lang="en-US" dirty="0">
+              <a:solidFill>
+                <a:schemeClr val="bg1"/>
+              </a:solidFill>
+            </a:endParaRPr>
+          </a:p>
+          <a:p>
+            <a:r>
+              <a:rPr lang="en-US" dirty="0">
+                <a:solidFill>
+                  <a:schemeClr val="bg1"/>
+                </a:solidFill>
+              </a:rPr>
+              <a:t>Productivity Insights 🌱: Some regions significantly outperform others in yield (calculated as Production/Area), which can guide resource allocation and farming practices.</a:t>
+            </a:r>
+            <a:br>
+              <a:rPr lang="en-US" dirty="0">
+                <a:solidFill>
+                  <a:schemeClr val="bg1"/>
+                </a:solidFill>
+              </a:rPr>
+            </a:br>
+            <a:endParaRPr lang="en-US" dirty="0">
+              <a:solidFill>
+                <a:schemeClr val="bg1"/>
+              </a:solidFill>
+            </a:endParaRPr>
+          </a:p>
+          <a:p>
+            <a:r>
+              <a:rPr lang="en-US" dirty="0">
+                <a:solidFill>
+                  <a:schemeClr val="bg1"/>
+                </a:solidFill>
+              </a:rPr>
+              <a:t>Category Analysis 🗂️: Dividing crops into categories helped identify trends within specific types of crops, revealing which categories are expanding or contracting in production.</a:t>
+            </a:r>
+            <a:br>
+              <a:rPr lang="en-US" dirty="0">
+                <a:solidFill>
+                  <a:schemeClr val="bg1"/>
+                </a:solidFill>
+              </a:rPr>
+            </a:br>
+            <a:endParaRPr lang="en-US" dirty="0">
+              <a:solidFill>
+                <a:schemeClr val="bg1"/>
+              </a:solidFill>
+            </a:endParaRPr>
+          </a:p>
+          <a:p>
+            <a:r>
+              <a:rPr lang="en-US" dirty="0">
+                <a:solidFill>
+                  <a:schemeClr val="bg1"/>
+                </a:solidFill>
+              </a:rPr>
+              <a:t>Regional Insights 🗺️: Adding the "Region" column provided a more nuanced understanding of geographical trends and regional strengths, highlighting where certain crops thrive best.</a:t>
+            </a:r>
+            <a:endParaRPr lang="en-IN" dirty="0">
+              <a:solidFill>
+                <a:schemeClr val="bg1"/>
+              </a:solidFill>
+            </a:endParaRPr>
+          </a:p>
+        </p:txBody>
+      </p:sp>
+    </p:spTree>
+    <p:extLst>
+      <p:ext uri="{BB962C8B-B14F-4D97-AF65-F5344CB8AC3E}">
+        <p14:creationId xmlns:p14="http://schemas.microsoft.com/office/powerpoint/2010/main" val="2152833028"/>
+      </p:ext>
+    </p:extLst>
+  </p:cSld>
+  <p:clrMapOvr>
+    <a:masterClrMapping/>
+  </p:clrMapOvr>
+</p:sld>
+</file>
+
+<file path=ppt/slides/slide7.xml><?xml version="1.0" encoding="utf-8"?>
 <p:sld xmlns:a="http://schemas.openxmlformats.org/drawingml/2006/main" xmlns:r="http://schemas.openxmlformats.org/officeDocument/2006/relationships" xmlns:p="http://schemas.openxmlformats.org/presentationml/2006/main">
   <p:cSld>
     <p:spTree>
